--- a/2.项目PPT/进度2-余锋伟.pptx
+++ b/2.项目PPT/进度2-余锋伟.pptx
@@ -5,13 +5,15 @@
     <p:sldMasterId id="2147483648" r:id="rId1"/>
   </p:sldMasterIdLst>
   <p:sldIdLst>
-    <p:sldId id="257" r:id="rId2"/>
-    <p:sldId id="260" r:id="rId3"/>
-    <p:sldId id="259" r:id="rId4"/>
-    <p:sldId id="258" r:id="rId5"/>
-    <p:sldId id="261" r:id="rId6"/>
-    <p:sldId id="262" r:id="rId7"/>
-    <p:sldId id="263" r:id="rId8"/>
+    <p:sldId id="264" r:id="rId2"/>
+    <p:sldId id="265" r:id="rId3"/>
+    <p:sldId id="257" r:id="rId4"/>
+    <p:sldId id="260" r:id="rId5"/>
+    <p:sldId id="259" r:id="rId6"/>
+    <p:sldId id="258" r:id="rId7"/>
+    <p:sldId id="261" r:id="rId8"/>
+    <p:sldId id="262" r:id="rId9"/>
+    <p:sldId id="263" r:id="rId10"/>
   </p:sldIdLst>
   <p:sldSz cx="9144000" cy="6858000" type="screen4x3"/>
   <p:notesSz cx="6858000" cy="9144000"/>
@@ -347,6 +349,9 @@
   <p:clrMapOvr>
     <a:masterClrMapping/>
   </p:clrMapOvr>
+  <p:transition spd="slow">
+    <p:push dir="u"/>
+  </p:transition>
 </p:sldLayout>
 </file>
 
@@ -512,6 +517,9 @@
   <p:clrMapOvr>
     <a:masterClrMapping/>
   </p:clrMapOvr>
+  <p:transition spd="slow">
+    <p:push dir="u"/>
+  </p:transition>
 </p:sldLayout>
 </file>
 
@@ -687,6 +695,9 @@
   <p:clrMapOvr>
     <a:masterClrMapping/>
   </p:clrMapOvr>
+  <p:transition spd="slow">
+    <p:push dir="u"/>
+  </p:transition>
 </p:sldLayout>
 </file>
 
@@ -852,6 +863,9 @@
   <p:clrMapOvr>
     <a:masterClrMapping/>
   </p:clrMapOvr>
+  <p:transition spd="slow">
+    <p:push dir="u"/>
+  </p:transition>
 </p:sldLayout>
 </file>
 
@@ -1093,6 +1107,9 @@
   <p:clrMapOvr>
     <a:masterClrMapping/>
   </p:clrMapOvr>
+  <p:transition spd="slow">
+    <p:push dir="u"/>
+  </p:transition>
 </p:sldLayout>
 </file>
 
@@ -1376,6 +1393,9 @@
   <p:clrMapOvr>
     <a:masterClrMapping/>
   </p:clrMapOvr>
+  <p:transition spd="slow">
+    <p:push dir="u"/>
+  </p:transition>
 </p:sldLayout>
 </file>
 
@@ -1793,6 +1813,9 @@
   <p:clrMapOvr>
     <a:masterClrMapping/>
   </p:clrMapOvr>
+  <p:transition spd="slow">
+    <p:push dir="u"/>
+  </p:transition>
 </p:sldLayout>
 </file>
 
@@ -1906,6 +1929,9 @@
   <p:clrMapOvr>
     <a:masterClrMapping/>
   </p:clrMapOvr>
+  <p:transition spd="slow">
+    <p:push dir="u"/>
+  </p:transition>
 </p:sldLayout>
 </file>
 
@@ -1996,6 +2022,9 @@
   <p:clrMapOvr>
     <a:masterClrMapping/>
   </p:clrMapOvr>
+  <p:transition spd="slow">
+    <p:push dir="u"/>
+  </p:transition>
 </p:sldLayout>
 </file>
 
@@ -2268,6 +2297,9 @@
   <p:clrMapOvr>
     <a:masterClrMapping/>
   </p:clrMapOvr>
+  <p:transition spd="slow">
+    <p:push dir="u"/>
+  </p:transition>
 </p:sldLayout>
 </file>
 
@@ -2516,6 +2548,9 @@
   <p:clrMapOvr>
     <a:masterClrMapping/>
   </p:clrMapOvr>
+  <p:transition spd="slow">
+    <p:push dir="u"/>
+  </p:transition>
 </p:sldLayout>
 </file>
 
@@ -2771,6 +2806,9 @@
     <p:sldLayoutId id="2147483658" r:id="rId10"/>
     <p:sldLayoutId id="2147483659" r:id="rId11"/>
   </p:sldLayoutIdLst>
+  <p:transition spd="slow">
+    <p:push dir="u"/>
+  </p:transition>
   <p:txStyles>
     <p:titleStyle>
       <a:lvl1pPr algn="ctr" defTabSz="914400" rtl="0" eaLnBrk="1" latinLnBrk="0" hangingPunct="1">
@@ -3043,12 +3081,12 @@
       </p:grpSpPr>
       <p:sp>
         <p:nvSpPr>
-          <p:cNvPr id="2" name="标题 1"/>
-          <p:cNvSpPr>
-            <a:spLocks noGrp="1"/>
-          </p:cNvSpPr>
-          <p:nvPr>
-            <p:ph type="title"/>
+          <p:cNvPr id="4" name="标题 3"/>
+          <p:cNvSpPr>
+            <a:spLocks noGrp="1"/>
+          </p:cNvSpPr>
+          <p:nvPr>
+            <p:ph type="ctrTitle"/>
           </p:nvPr>
         </p:nvSpPr>
         <p:spPr/>
@@ -3057,6 +3095,201 @@
           <a:lstStyle/>
           <a:p>
             <a:r>
+              <a:rPr lang="zh-CN" altLang="en-US" dirty="0" smtClean="0"/>
+              <a:t>第二周进度报告</a:t>
+            </a:r>
+            <a:endParaRPr lang="zh-CN" altLang="en-US" dirty="0"/>
+          </a:p>
+        </p:txBody>
+      </p:sp>
+      <p:sp>
+        <p:nvSpPr>
+          <p:cNvPr id="5" name="副标题 4"/>
+          <p:cNvSpPr>
+            <a:spLocks noGrp="1"/>
+          </p:cNvSpPr>
+          <p:nvPr>
+            <p:ph type="subTitle" idx="1"/>
+          </p:nvPr>
+        </p:nvSpPr>
+        <p:spPr>
+          <a:xfrm>
+            <a:off x="4067944" y="5301208"/>
+            <a:ext cx="4352528" cy="913656"/>
+          </a:xfrm>
+        </p:spPr>
+        <p:txBody>
+          <a:bodyPr/>
+          <a:lstStyle/>
+          <a:p>
+            <a:r>
+              <a:rPr lang="en-US" altLang="zh-CN" dirty="0" smtClean="0"/>
+              <a:t>C-</a:t>
+            </a:r>
+            <a:r>
+              <a:rPr lang="en-US" altLang="zh-CN" dirty="0" err="1" smtClean="0"/>
+              <a:t>nginx</a:t>
+            </a:r>
+            <a:r>
+              <a:rPr lang="zh-CN" altLang="en-US" dirty="0" smtClean="0"/>
+              <a:t>测试与开发</a:t>
+            </a:r>
+            <a:endParaRPr lang="zh-CN" altLang="en-US" dirty="0"/>
+          </a:p>
+        </p:txBody>
+      </p:sp>
+    </p:spTree>
+    <p:extLst>
+      <p:ext uri="{BB962C8B-B14F-4D97-AF65-F5344CB8AC3E}">
+        <p14:creationId xmlns:p14="http://schemas.microsoft.com/office/powerpoint/2010/main" val="2987273040"/>
+      </p:ext>
+    </p:extLst>
+  </p:cSld>
+  <p:clrMapOvr>
+    <a:masterClrMapping/>
+  </p:clrMapOvr>
+  <p:transition spd="slow">
+    <p:push dir="u"/>
+  </p:transition>
+  <p:timing>
+    <p:tnLst>
+      <p:par>
+        <p:cTn id="1" dur="indefinite" restart="never" nodeType="tmRoot"/>
+      </p:par>
+    </p:tnLst>
+  </p:timing>
+</p:sld>
+</file>
+
+<file path=ppt/slides/slide2.xml><?xml version="1.0" encoding="utf-8"?>
+<p:sld xmlns:a="http://schemas.openxmlformats.org/drawingml/2006/main" xmlns:r="http://schemas.openxmlformats.org/officeDocument/2006/relationships" xmlns:p="http://schemas.openxmlformats.org/presentationml/2006/main">
+  <p:cSld>
+    <p:spTree>
+      <p:nvGrpSpPr>
+        <p:cNvPr id="1" name=""/>
+        <p:cNvGrpSpPr/>
+        <p:nvPr/>
+      </p:nvGrpSpPr>
+      <p:grpSpPr>
+        <a:xfrm>
+          <a:off x="0" y="0"/>
+          <a:ext cx="0" cy="0"/>
+          <a:chOff x="0" y="0"/>
+          <a:chExt cx="0" cy="0"/>
+        </a:xfrm>
+      </p:grpSpPr>
+      <p:sp>
+        <p:nvSpPr>
+          <p:cNvPr id="2" name="标题 1"/>
+          <p:cNvSpPr>
+            <a:spLocks noGrp="1"/>
+          </p:cNvSpPr>
+          <p:nvPr>
+            <p:ph type="title"/>
+          </p:nvPr>
+        </p:nvSpPr>
+        <p:spPr/>
+        <p:txBody>
+          <a:bodyPr/>
+          <a:lstStyle/>
+          <a:p>
+            <a:r>
+              <a:rPr lang="en-US" altLang="zh-CN" dirty="0" smtClean="0"/>
+              <a:t>UI</a:t>
+            </a:r>
+            <a:r>
+              <a:rPr lang="zh-CN" altLang="en-US" dirty="0" smtClean="0"/>
+              <a:t>模块</a:t>
+            </a:r>
+            <a:endParaRPr lang="zh-CN" altLang="en-US" dirty="0"/>
+          </a:p>
+        </p:txBody>
+      </p:sp>
+      <p:pic>
+        <p:nvPicPr>
+          <p:cNvPr id="4" name="内容占位符 3"/>
+          <p:cNvPicPr>
+            <a:picLocks noGrp="1" noChangeAspect="1"/>
+          </p:cNvPicPr>
+          <p:nvPr>
+            <p:ph idx="1"/>
+          </p:nvPr>
+        </p:nvPicPr>
+        <p:blipFill>
+          <a:blip r:embed="rId2">
+            <a:extLst>
+              <a:ext uri="{28A0092B-C50C-407E-A947-70E740481C1C}">
+                <a14:useLocalDpi xmlns:a14="http://schemas.microsoft.com/office/drawing/2010/main" val="0"/>
+              </a:ext>
+            </a:extLst>
+          </a:blip>
+          <a:stretch>
+            <a:fillRect/>
+          </a:stretch>
+        </p:blipFill>
+        <p:spPr>
+          <a:xfrm>
+            <a:off x="1907704" y="1412776"/>
+            <a:ext cx="5544616" cy="5258178"/>
+          </a:xfrm>
+        </p:spPr>
+      </p:pic>
+    </p:spTree>
+    <p:extLst>
+      <p:ext uri="{BB962C8B-B14F-4D97-AF65-F5344CB8AC3E}">
+        <p14:creationId xmlns:p14="http://schemas.microsoft.com/office/powerpoint/2010/main" val="4170261157"/>
+      </p:ext>
+    </p:extLst>
+  </p:cSld>
+  <p:clrMapOvr>
+    <a:masterClrMapping/>
+  </p:clrMapOvr>
+  <p:transition spd="slow">
+    <p:push dir="u"/>
+  </p:transition>
+  <p:timing>
+    <p:tnLst>
+      <p:par>
+        <p:cTn id="1" dur="indefinite" restart="never" nodeType="tmRoot"/>
+      </p:par>
+    </p:tnLst>
+  </p:timing>
+</p:sld>
+</file>
+
+<file path=ppt/slides/slide3.xml><?xml version="1.0" encoding="utf-8"?>
+<p:sld xmlns:a="http://schemas.openxmlformats.org/drawingml/2006/main" xmlns:r="http://schemas.openxmlformats.org/officeDocument/2006/relationships" xmlns:p="http://schemas.openxmlformats.org/presentationml/2006/main">
+  <p:cSld>
+    <p:spTree>
+      <p:nvGrpSpPr>
+        <p:cNvPr id="1" name=""/>
+        <p:cNvGrpSpPr/>
+        <p:nvPr/>
+      </p:nvGrpSpPr>
+      <p:grpSpPr>
+        <a:xfrm>
+          <a:off x="0" y="0"/>
+          <a:ext cx="0" cy="0"/>
+          <a:chOff x="0" y="0"/>
+          <a:chExt cx="0" cy="0"/>
+        </a:xfrm>
+      </p:grpSpPr>
+      <p:sp>
+        <p:nvSpPr>
+          <p:cNvPr id="2" name="标题 1"/>
+          <p:cNvSpPr>
+            <a:spLocks noGrp="1"/>
+          </p:cNvSpPr>
+          <p:nvPr>
+            <p:ph type="title"/>
+          </p:nvPr>
+        </p:nvSpPr>
+        <p:spPr/>
+        <p:txBody>
+          <a:bodyPr/>
+          <a:lstStyle/>
+          <a:p>
+            <a:r>
               <a:rPr lang="en-US" altLang="zh-CN" dirty="0" err="1"/>
               <a:t>n</a:t>
             </a:r>
@@ -3067,10 +3300,6 @@
             <a:r>
               <a:rPr lang="en-US" altLang="zh-CN" dirty="0" smtClean="0"/>
               <a:t> </a:t>
-            </a:r>
-            <a:r>
-              <a:rPr lang="zh-CN" altLang="en-US" dirty="0" smtClean="0"/>
-              <a:t>配置模块设计</a:t>
             </a:r>
             <a:endParaRPr lang="zh-CN" altLang="en-US" dirty="0"/>
           </a:p>
@@ -3146,10 +3375,20 @@
   <p:clrMapOvr>
     <a:masterClrMapping/>
   </p:clrMapOvr>
+  <p:transition spd="slow">
+    <p:push dir="u"/>
+  </p:transition>
+  <p:timing>
+    <p:tnLst>
+      <p:par>
+        <p:cTn id="1" dur="indefinite" restart="never" nodeType="tmRoot"/>
+      </p:par>
+    </p:tnLst>
+  </p:timing>
 </p:sld>
 </file>
 
-<file path=ppt/slides/slide2.xml><?xml version="1.0" encoding="utf-8"?>
+<file path=ppt/slides/slide4.xml><?xml version="1.0" encoding="utf-8"?>
 <p:sld xmlns:a="http://schemas.openxmlformats.org/drawingml/2006/main" xmlns:r="http://schemas.openxmlformats.org/officeDocument/2006/relationships" xmlns:p="http://schemas.openxmlformats.org/presentationml/2006/main">
   <p:cSld>
     <p:spTree>
@@ -3183,7 +3422,7 @@
           <a:p>
             <a:r>
               <a:rPr lang="zh-CN" altLang="en-US" dirty="0" smtClean="0"/>
-              <a:t>配置项</a:t>
+              <a:t>已支持的配置项</a:t>
             </a:r>
             <a:endParaRPr lang="zh-CN" altLang="en-US" dirty="0"/>
           </a:p>
@@ -3265,10 +3504,20 @@
   <p:clrMapOvr>
     <a:masterClrMapping/>
   </p:clrMapOvr>
+  <p:transition spd="slow">
+    <p:push dir="u"/>
+  </p:transition>
+  <p:timing>
+    <p:tnLst>
+      <p:par>
+        <p:cTn id="1" dur="indefinite" restart="never" nodeType="tmRoot"/>
+      </p:par>
+    </p:tnLst>
+  </p:timing>
 </p:sld>
 </file>
 
-<file path=ppt/slides/slide3.xml><?xml version="1.0" encoding="utf-8"?>
+<file path=ppt/slides/slide5.xml><?xml version="1.0" encoding="utf-8"?>
 <p:sld xmlns:a="http://schemas.openxmlformats.org/drawingml/2006/main" xmlns:r="http://schemas.openxmlformats.org/officeDocument/2006/relationships" xmlns:p="http://schemas.openxmlformats.org/presentationml/2006/main">
   <p:cSld>
     <p:spTree>
@@ -3994,10 +4243,20 @@
   <p:clrMapOvr>
     <a:masterClrMapping/>
   </p:clrMapOvr>
+  <p:transition spd="slow">
+    <p:push dir="u"/>
+  </p:transition>
+  <p:timing>
+    <p:tnLst>
+      <p:par>
+        <p:cTn id="1" dur="indefinite" restart="never" nodeType="tmRoot"/>
+      </p:par>
+    </p:tnLst>
+  </p:timing>
 </p:sld>
 </file>
 
-<file path=ppt/slides/slide4.xml><?xml version="1.0" encoding="utf-8"?>
+<file path=ppt/slides/slide6.xml><?xml version="1.0" encoding="utf-8"?>
 <p:sld xmlns:a="http://schemas.openxmlformats.org/drawingml/2006/main" xmlns:r="http://schemas.openxmlformats.org/officeDocument/2006/relationships" xmlns:p="http://schemas.openxmlformats.org/presentationml/2006/main">
   <p:cSld>
     <p:spTree>
@@ -4243,420 +4502,16 @@
   <p:clrMapOvr>
     <a:masterClrMapping/>
   </p:clrMapOvr>
-</p:sld>
-</file>
-
-<file path=ppt/slides/slide5.xml><?xml version="1.0" encoding="utf-8"?>
-<p:sld xmlns:a="http://schemas.openxmlformats.org/drawingml/2006/main" xmlns:r="http://schemas.openxmlformats.org/officeDocument/2006/relationships" xmlns:p="http://schemas.openxmlformats.org/presentationml/2006/main">
-  <p:cSld>
-    <p:spTree>
-      <p:nvGrpSpPr>
-        <p:cNvPr id="1" name=""/>
-        <p:cNvGrpSpPr/>
-        <p:nvPr/>
-      </p:nvGrpSpPr>
-      <p:grpSpPr>
-        <a:xfrm>
-          <a:off x="0" y="0"/>
-          <a:ext cx="0" cy="0"/>
-          <a:chOff x="0" y="0"/>
-          <a:chExt cx="0" cy="0"/>
-        </a:xfrm>
-      </p:grpSpPr>
-      <p:sp>
-        <p:nvSpPr>
-          <p:cNvPr id="2" name="标题 1"/>
-          <p:cNvSpPr>
-            <a:spLocks noGrp="1"/>
-          </p:cNvSpPr>
-          <p:nvPr>
-            <p:ph type="title"/>
-          </p:nvPr>
-        </p:nvSpPr>
-        <p:spPr/>
-        <p:txBody>
-          <a:bodyPr/>
-          <a:lstStyle/>
-          <a:p>
-            <a:r>
-              <a:rPr lang="zh-CN" altLang="en-US" dirty="0" smtClean="0"/>
-              <a:t>配置正确性检验</a:t>
-            </a:r>
-            <a:endParaRPr lang="zh-CN" altLang="en-US" dirty="0"/>
-          </a:p>
-        </p:txBody>
-      </p:sp>
-      <p:sp>
-        <p:nvSpPr>
-          <p:cNvPr id="3" name="内容占位符 2"/>
-          <p:cNvSpPr>
-            <a:spLocks noGrp="1"/>
-          </p:cNvSpPr>
-          <p:nvPr>
-            <p:ph idx="1"/>
-          </p:nvPr>
-        </p:nvSpPr>
-        <p:spPr>
-          <a:xfrm>
-            <a:off x="323528" y="1340768"/>
-            <a:ext cx="8435280" cy="5373216"/>
-          </a:xfrm>
-        </p:spPr>
-        <p:txBody>
-          <a:bodyPr>
-            <a:normAutofit fontScale="92500" lnSpcReduction="10000"/>
-          </a:bodyPr>
-          <a:lstStyle/>
-          <a:p>
-            <a:r>
-              <a:rPr lang="zh-CN" altLang="en-US" dirty="0"/>
-              <a:t>每一个配置类都有一个</a:t>
-            </a:r>
-            <a:r>
-              <a:rPr lang="en-US" altLang="zh-CN" dirty="0" err="1"/>
-              <a:t>isValid</a:t>
-            </a:r>
-            <a:r>
-              <a:rPr lang="en-US" altLang="zh-CN" dirty="0"/>
-              <a:t>()</a:t>
-            </a:r>
-            <a:r>
-              <a:rPr lang="zh-CN" altLang="en-US" dirty="0"/>
-              <a:t>方法检验是否配置正确</a:t>
-            </a:r>
-            <a:endParaRPr lang="en-US" altLang="zh-CN" dirty="0"/>
-          </a:p>
-          <a:p>
-            <a:pPr lvl="1"/>
-            <a:r>
-              <a:rPr lang="zh-CN" altLang="en-US" dirty="0"/>
-              <a:t>如：文件路径满足</a:t>
-            </a:r>
-            <a:endParaRPr lang="en-US" altLang="zh-CN" dirty="0"/>
-          </a:p>
-          <a:p>
-            <a:pPr lvl="2"/>
-            <a:r>
-              <a:rPr lang="en-US" altLang="zh-CN" dirty="0" err="1"/>
-              <a:t>dirname</a:t>
-            </a:r>
-            <a:r>
-              <a:rPr lang="en-US" altLang="zh-CN" dirty="0"/>
-              <a:t> = </a:t>
-            </a:r>
-            <a:r>
-              <a:rPr lang="en-US" altLang="zh-CN" dirty="0" err="1"/>
-              <a:t>os.path.dirname</a:t>
-            </a:r>
-            <a:r>
-              <a:rPr lang="en-US" altLang="zh-CN" dirty="0"/>
-              <a:t>(</a:t>
-            </a:r>
-            <a:r>
-              <a:rPr lang="en-US" altLang="zh-CN" dirty="0" err="1"/>
-              <a:t>self.getPath</a:t>
-            </a:r>
-            <a:r>
-              <a:rPr lang="en-US" altLang="zh-CN" dirty="0"/>
-              <a:t>))</a:t>
-            </a:r>
-          </a:p>
-          <a:p>
-            <a:pPr lvl="2"/>
-            <a:r>
-              <a:rPr lang="en-US" altLang="zh-CN" dirty="0"/>
-              <a:t>return </a:t>
-            </a:r>
-            <a:r>
-              <a:rPr lang="en-US" altLang="zh-CN" dirty="0" err="1"/>
-              <a:t>os.path.exists</a:t>
-            </a:r>
-            <a:r>
-              <a:rPr lang="en-US" altLang="zh-CN" dirty="0"/>
-              <a:t>(</a:t>
-            </a:r>
-            <a:r>
-              <a:rPr lang="en-US" altLang="zh-CN" dirty="0" err="1"/>
-              <a:t>dirname</a:t>
-            </a:r>
-            <a:r>
-              <a:rPr lang="en-US" altLang="zh-CN" dirty="0"/>
-              <a:t>)</a:t>
-            </a:r>
-          </a:p>
-          <a:p>
-            <a:pPr lvl="1"/>
-            <a:r>
-              <a:rPr lang="zh-CN" altLang="en-US" dirty="0"/>
-              <a:t>端口必须满足：</a:t>
-            </a:r>
-            <a:endParaRPr lang="en-US" altLang="zh-CN" dirty="0"/>
-          </a:p>
-          <a:p>
-            <a:pPr lvl="2"/>
-            <a:r>
-              <a:rPr lang="en-US" altLang="zh-CN" dirty="0" err="1"/>
-              <a:t>self.getListen</a:t>
-            </a:r>
-            <a:r>
-              <a:rPr lang="en-US" altLang="zh-CN" dirty="0"/>
-              <a:t>() in range(0,65536</a:t>
-            </a:r>
-            <a:r>
-              <a:rPr lang="en-US" altLang="zh-CN" dirty="0" smtClean="0"/>
-              <a:t>)</a:t>
-            </a:r>
-          </a:p>
-          <a:p>
-            <a:pPr lvl="1"/>
-            <a:r>
-              <a:rPr lang="zh-CN" altLang="en-US" dirty="0" smtClean="0"/>
-              <a:t>事件驱动模型选项：</a:t>
-            </a:r>
-            <a:endParaRPr lang="en-US" altLang="zh-CN" dirty="0"/>
-          </a:p>
-          <a:p>
-            <a:pPr lvl="2"/>
-            <a:r>
-              <a:rPr lang="en-US" altLang="zh-CN" dirty="0"/>
-              <a:t>__</a:t>
-            </a:r>
-            <a:r>
-              <a:rPr lang="en-US" altLang="zh-CN" dirty="0" err="1"/>
-              <a:t>use_set</a:t>
-            </a:r>
-            <a:r>
-              <a:rPr lang="en-US" altLang="zh-CN" dirty="0"/>
-              <a:t> = ["</a:t>
-            </a:r>
-            <a:r>
-              <a:rPr lang="en-US" altLang="zh-CN" dirty="0" err="1"/>
-              <a:t>kqueue</a:t>
-            </a:r>
-            <a:r>
-              <a:rPr lang="en-US" altLang="zh-CN" dirty="0"/>
-              <a:t>","</a:t>
-            </a:r>
-            <a:r>
-              <a:rPr lang="en-US" altLang="zh-CN" dirty="0" err="1"/>
-              <a:t>rtsig</a:t>
-            </a:r>
-            <a:r>
-              <a:rPr lang="en-US" altLang="zh-CN" dirty="0"/>
-              <a:t>","</a:t>
-            </a:r>
-            <a:r>
-              <a:rPr lang="en-US" altLang="zh-CN" dirty="0" err="1"/>
-              <a:t>epoll</a:t>
-            </a:r>
-            <a:r>
-              <a:rPr lang="en-US" altLang="zh-CN" dirty="0"/>
-              <a:t>","/</a:t>
-            </a:r>
-            <a:r>
-              <a:rPr lang="en-US" altLang="zh-CN" dirty="0" err="1"/>
-              <a:t>dev</a:t>
-            </a:r>
-            <a:r>
-              <a:rPr lang="en-US" altLang="zh-CN" dirty="0"/>
-              <a:t>/</a:t>
-            </a:r>
-            <a:r>
-              <a:rPr lang="en-US" altLang="zh-CN" dirty="0" err="1"/>
-              <a:t>poll","select","poll</a:t>
-            </a:r>
-            <a:r>
-              <a:rPr lang="en-US" altLang="zh-CN" dirty="0"/>
-              <a:t>"]</a:t>
-            </a:r>
-          </a:p>
-          <a:p>
-            <a:pPr lvl="2"/>
-            <a:r>
-              <a:rPr lang="en-US" altLang="zh-CN" dirty="0" smtClean="0"/>
-              <a:t>return </a:t>
-            </a:r>
-            <a:r>
-              <a:rPr lang="en-US" altLang="zh-CN" dirty="0" err="1"/>
-              <a:t>self.getUse</a:t>
-            </a:r>
-            <a:r>
-              <a:rPr lang="en-US" altLang="zh-CN" dirty="0"/>
-              <a:t>() </a:t>
-            </a:r>
-            <a:r>
-              <a:rPr lang="en-US" altLang="zh-CN" dirty="0" smtClean="0"/>
-              <a:t> in </a:t>
-            </a:r>
-            <a:r>
-              <a:rPr lang="en-US" altLang="zh-CN" dirty="0"/>
-              <a:t>__</a:t>
-            </a:r>
-            <a:r>
-              <a:rPr lang="en-US" altLang="zh-CN" dirty="0" err="1" smtClean="0"/>
-              <a:t>use_set</a:t>
-            </a:r>
-            <a:endParaRPr lang="en-US" altLang="zh-CN" dirty="0" smtClean="0"/>
-          </a:p>
-          <a:p>
-            <a:r>
-              <a:rPr lang="en-US" altLang="zh-CN" dirty="0" err="1" smtClean="0"/>
-              <a:t>isValid_all</a:t>
-            </a:r>
-            <a:r>
-              <a:rPr lang="en-US" altLang="zh-CN" dirty="0" smtClean="0"/>
-              <a:t>()</a:t>
-            </a:r>
-            <a:r>
-              <a:rPr lang="zh-CN" altLang="en-US" dirty="0" smtClean="0"/>
-              <a:t>递归调用每个子配置的</a:t>
-            </a:r>
-            <a:r>
-              <a:rPr lang="en-US" altLang="zh-CN" dirty="0" err="1" smtClean="0"/>
-              <a:t>isValid</a:t>
-            </a:r>
-            <a:r>
-              <a:rPr lang="en-US" altLang="zh-CN" dirty="0" smtClean="0"/>
-              <a:t>()</a:t>
-            </a:r>
-            <a:r>
-              <a:rPr lang="zh-CN" altLang="en-US" dirty="0" smtClean="0"/>
-              <a:t>，当所有的配置都正确时，</a:t>
-            </a:r>
-            <a:r>
-              <a:rPr lang="zh-CN" altLang="en-US" dirty="0"/>
-              <a:t>返回</a:t>
-            </a:r>
-            <a:r>
-              <a:rPr lang="en-US" altLang="zh-CN" dirty="0" smtClean="0"/>
-              <a:t>True</a:t>
-            </a:r>
-          </a:p>
-        </p:txBody>
-      </p:sp>
-    </p:spTree>
-    <p:extLst>
-      <p:ext uri="{BB962C8B-B14F-4D97-AF65-F5344CB8AC3E}">
-        <p14:creationId xmlns:p14="http://schemas.microsoft.com/office/powerpoint/2010/main" val="1313868199"/>
-      </p:ext>
-    </p:extLst>
-  </p:cSld>
-  <p:clrMapOvr>
-    <a:masterClrMapping/>
-  </p:clrMapOvr>
-</p:sld>
-</file>
-
-<file path=ppt/slides/slide6.xml><?xml version="1.0" encoding="utf-8"?>
-<p:sld xmlns:a="http://schemas.openxmlformats.org/drawingml/2006/main" xmlns:r="http://schemas.openxmlformats.org/officeDocument/2006/relationships" xmlns:p="http://schemas.openxmlformats.org/presentationml/2006/main">
-  <p:cSld>
-    <p:spTree>
-      <p:nvGrpSpPr>
-        <p:cNvPr id="1" name=""/>
-        <p:cNvGrpSpPr/>
-        <p:nvPr/>
-      </p:nvGrpSpPr>
-      <p:grpSpPr>
-        <a:xfrm>
-          <a:off x="0" y="0"/>
-          <a:ext cx="0" cy="0"/>
-          <a:chOff x="0" y="0"/>
-          <a:chExt cx="0" cy="0"/>
-        </a:xfrm>
-      </p:grpSpPr>
-      <p:sp>
-        <p:nvSpPr>
-          <p:cNvPr id="2" name="标题 1"/>
-          <p:cNvSpPr>
-            <a:spLocks noGrp="1"/>
-          </p:cNvSpPr>
-          <p:nvPr>
-            <p:ph type="title"/>
-          </p:nvPr>
-        </p:nvSpPr>
-        <p:spPr/>
-        <p:txBody>
-          <a:bodyPr/>
-          <a:lstStyle/>
-          <a:p>
-            <a:r>
-              <a:rPr lang="zh-CN" altLang="en-US" dirty="0" smtClean="0"/>
-              <a:t>文件</a:t>
-            </a:r>
-            <a:r>
-              <a:rPr lang="en-US" altLang="zh-CN" dirty="0" smtClean="0"/>
-              <a:t>IO</a:t>
-            </a:r>
-            <a:endParaRPr lang="zh-CN" altLang="en-US" dirty="0"/>
-          </a:p>
-        </p:txBody>
-      </p:sp>
-      <p:sp>
-        <p:nvSpPr>
-          <p:cNvPr id="3" name="内容占位符 2"/>
-          <p:cNvSpPr>
-            <a:spLocks noGrp="1"/>
-          </p:cNvSpPr>
-          <p:nvPr>
-            <p:ph idx="1"/>
-          </p:nvPr>
-        </p:nvSpPr>
-        <p:spPr/>
-        <p:txBody>
-          <a:bodyPr/>
-          <a:lstStyle/>
-          <a:p>
-            <a:r>
-              <a:rPr lang="en-US" altLang="zh-CN" dirty="0" err="1" smtClean="0"/>
-              <a:t>conf.writeToFile</a:t>
-            </a:r>
-            <a:r>
-              <a:rPr lang="en-US" altLang="zh-CN" dirty="0" smtClean="0"/>
-              <a:t>()</a:t>
-            </a:r>
-          </a:p>
-          <a:p>
-            <a:pPr lvl="1"/>
-            <a:r>
-              <a:rPr lang="zh-CN" altLang="en-US" dirty="0" smtClean="0"/>
-              <a:t>写回配置到文件中</a:t>
-            </a:r>
-            <a:endParaRPr lang="en-US" altLang="zh-CN" dirty="0" smtClean="0"/>
-          </a:p>
-          <a:p>
-            <a:r>
-              <a:rPr lang="en-US" altLang="zh-CN" dirty="0" err="1"/>
-              <a:t>c</a:t>
-            </a:r>
-            <a:r>
-              <a:rPr lang="en-US" altLang="zh-CN" dirty="0" err="1" smtClean="0"/>
-              <a:t>onf.setUpFromFile</a:t>
-            </a:r>
-            <a:r>
-              <a:rPr lang="en-US" altLang="zh-CN" dirty="0" smtClean="0"/>
-              <a:t>()</a:t>
-            </a:r>
-          </a:p>
-          <a:p>
-            <a:pPr lvl="1"/>
-            <a:r>
-              <a:rPr lang="zh-CN" altLang="en-US" dirty="0" smtClean="0"/>
-              <a:t>从文件中恢复配置</a:t>
-            </a:r>
-            <a:endParaRPr lang="zh-CN" altLang="en-US" dirty="0"/>
-          </a:p>
-        </p:txBody>
-      </p:sp>
-    </p:spTree>
-    <p:extLst>
-      <p:ext uri="{BB962C8B-B14F-4D97-AF65-F5344CB8AC3E}">
-        <p14:creationId xmlns:p14="http://schemas.microsoft.com/office/powerpoint/2010/main" val="1007216362"/>
-      </p:ext>
-    </p:extLst>
-  </p:cSld>
-  <p:clrMapOvr>
-    <a:masterClrMapping/>
-  </p:clrMapOvr>
+  <p:transition spd="slow">
+    <p:push dir="u"/>
+  </p:transition>
+  <p:timing>
+    <p:tnLst>
+      <p:par>
+        <p:cTn id="1" dur="indefinite" restart="never" nodeType="tmRoot"/>
+      </p:par>
+    </p:tnLst>
+  </p:timing>
 </p:sld>
 </file>
 
@@ -4693,6 +4548,1328 @@
           <a:lstStyle/>
           <a:p>
             <a:r>
+              <a:rPr lang="zh-CN" altLang="en-US" dirty="0" smtClean="0"/>
+              <a:t>配置正确性检验</a:t>
+            </a:r>
+            <a:endParaRPr lang="zh-CN" altLang="en-US" dirty="0"/>
+          </a:p>
+        </p:txBody>
+      </p:sp>
+      <p:sp>
+        <p:nvSpPr>
+          <p:cNvPr id="3" name="内容占位符 2"/>
+          <p:cNvSpPr>
+            <a:spLocks noGrp="1"/>
+          </p:cNvSpPr>
+          <p:nvPr>
+            <p:ph idx="1"/>
+          </p:nvPr>
+        </p:nvSpPr>
+        <p:spPr>
+          <a:xfrm>
+            <a:off x="323528" y="1340768"/>
+            <a:ext cx="8435280" cy="5373216"/>
+          </a:xfrm>
+        </p:spPr>
+        <p:txBody>
+          <a:bodyPr>
+            <a:normAutofit fontScale="92500" lnSpcReduction="10000"/>
+          </a:bodyPr>
+          <a:lstStyle/>
+          <a:p>
+            <a:r>
+              <a:rPr lang="zh-CN" altLang="en-US" dirty="0"/>
+              <a:t>每一个配置类都有一个</a:t>
+            </a:r>
+            <a:r>
+              <a:rPr lang="en-US" altLang="zh-CN" dirty="0" err="1"/>
+              <a:t>isValid</a:t>
+            </a:r>
+            <a:r>
+              <a:rPr lang="en-US" altLang="zh-CN" dirty="0"/>
+              <a:t>()</a:t>
+            </a:r>
+            <a:r>
+              <a:rPr lang="zh-CN" altLang="en-US" dirty="0"/>
+              <a:t>方法检验是否配置正确</a:t>
+            </a:r>
+            <a:endParaRPr lang="en-US" altLang="zh-CN" dirty="0"/>
+          </a:p>
+          <a:p>
+            <a:pPr lvl="1"/>
+            <a:r>
+              <a:rPr lang="zh-CN" altLang="en-US" dirty="0"/>
+              <a:t>如：文件路径满足</a:t>
+            </a:r>
+            <a:endParaRPr lang="en-US" altLang="zh-CN" dirty="0"/>
+          </a:p>
+          <a:p>
+            <a:pPr lvl="2"/>
+            <a:r>
+              <a:rPr lang="en-US" altLang="zh-CN" dirty="0" err="1"/>
+              <a:t>dirname</a:t>
+            </a:r>
+            <a:r>
+              <a:rPr lang="en-US" altLang="zh-CN" dirty="0"/>
+              <a:t> = </a:t>
+            </a:r>
+            <a:r>
+              <a:rPr lang="en-US" altLang="zh-CN" dirty="0" err="1"/>
+              <a:t>os.path.dirname</a:t>
+            </a:r>
+            <a:r>
+              <a:rPr lang="en-US" altLang="zh-CN" dirty="0"/>
+              <a:t>(</a:t>
+            </a:r>
+            <a:r>
+              <a:rPr lang="en-US" altLang="zh-CN" dirty="0" err="1"/>
+              <a:t>self.getPath</a:t>
+            </a:r>
+            <a:r>
+              <a:rPr lang="en-US" altLang="zh-CN" dirty="0"/>
+              <a:t>))</a:t>
+            </a:r>
+          </a:p>
+          <a:p>
+            <a:pPr lvl="2"/>
+            <a:r>
+              <a:rPr lang="en-US" altLang="zh-CN" dirty="0"/>
+              <a:t>return </a:t>
+            </a:r>
+            <a:r>
+              <a:rPr lang="en-US" altLang="zh-CN" dirty="0" err="1"/>
+              <a:t>os.path.exists</a:t>
+            </a:r>
+            <a:r>
+              <a:rPr lang="en-US" altLang="zh-CN" dirty="0"/>
+              <a:t>(</a:t>
+            </a:r>
+            <a:r>
+              <a:rPr lang="en-US" altLang="zh-CN" dirty="0" err="1"/>
+              <a:t>dirname</a:t>
+            </a:r>
+            <a:r>
+              <a:rPr lang="en-US" altLang="zh-CN" dirty="0"/>
+              <a:t>)</a:t>
+            </a:r>
+          </a:p>
+          <a:p>
+            <a:pPr lvl="1"/>
+            <a:r>
+              <a:rPr lang="zh-CN" altLang="en-US" dirty="0"/>
+              <a:t>端口必须满足：</a:t>
+            </a:r>
+            <a:endParaRPr lang="en-US" altLang="zh-CN" dirty="0"/>
+          </a:p>
+          <a:p>
+            <a:pPr lvl="2"/>
+            <a:r>
+              <a:rPr lang="en-US" altLang="zh-CN" dirty="0" err="1"/>
+              <a:t>self.getListen</a:t>
+            </a:r>
+            <a:r>
+              <a:rPr lang="en-US" altLang="zh-CN" dirty="0"/>
+              <a:t>() in range(0,65536</a:t>
+            </a:r>
+            <a:r>
+              <a:rPr lang="en-US" altLang="zh-CN" dirty="0" smtClean="0"/>
+              <a:t>)</a:t>
+            </a:r>
+          </a:p>
+          <a:p>
+            <a:pPr lvl="1"/>
+            <a:r>
+              <a:rPr lang="zh-CN" altLang="en-US" dirty="0" smtClean="0"/>
+              <a:t>事件驱动模型选项：</a:t>
+            </a:r>
+            <a:endParaRPr lang="en-US" altLang="zh-CN" dirty="0"/>
+          </a:p>
+          <a:p>
+            <a:pPr lvl="2"/>
+            <a:r>
+              <a:rPr lang="en-US" altLang="zh-CN" dirty="0"/>
+              <a:t>__</a:t>
+            </a:r>
+            <a:r>
+              <a:rPr lang="en-US" altLang="zh-CN" dirty="0" err="1"/>
+              <a:t>use_set</a:t>
+            </a:r>
+            <a:r>
+              <a:rPr lang="en-US" altLang="zh-CN" dirty="0"/>
+              <a:t> = ["</a:t>
+            </a:r>
+            <a:r>
+              <a:rPr lang="en-US" altLang="zh-CN" dirty="0" err="1"/>
+              <a:t>kqueue</a:t>
+            </a:r>
+            <a:r>
+              <a:rPr lang="en-US" altLang="zh-CN" dirty="0"/>
+              <a:t>","</a:t>
+            </a:r>
+            <a:r>
+              <a:rPr lang="en-US" altLang="zh-CN" dirty="0" err="1"/>
+              <a:t>rtsig</a:t>
+            </a:r>
+            <a:r>
+              <a:rPr lang="en-US" altLang="zh-CN" dirty="0"/>
+              <a:t>","</a:t>
+            </a:r>
+            <a:r>
+              <a:rPr lang="en-US" altLang="zh-CN" dirty="0" err="1"/>
+              <a:t>epoll</a:t>
+            </a:r>
+            <a:r>
+              <a:rPr lang="en-US" altLang="zh-CN" dirty="0"/>
+              <a:t>","/</a:t>
+            </a:r>
+            <a:r>
+              <a:rPr lang="en-US" altLang="zh-CN" dirty="0" err="1"/>
+              <a:t>dev</a:t>
+            </a:r>
+            <a:r>
+              <a:rPr lang="en-US" altLang="zh-CN" dirty="0"/>
+              <a:t>/</a:t>
+            </a:r>
+            <a:r>
+              <a:rPr lang="en-US" altLang="zh-CN" dirty="0" err="1"/>
+              <a:t>poll","select","poll</a:t>
+            </a:r>
+            <a:r>
+              <a:rPr lang="en-US" altLang="zh-CN" dirty="0"/>
+              <a:t>"]</a:t>
+            </a:r>
+          </a:p>
+          <a:p>
+            <a:pPr lvl="2"/>
+            <a:r>
+              <a:rPr lang="en-US" altLang="zh-CN" dirty="0" smtClean="0"/>
+              <a:t>return </a:t>
+            </a:r>
+            <a:r>
+              <a:rPr lang="en-US" altLang="zh-CN" dirty="0" err="1"/>
+              <a:t>self.getUse</a:t>
+            </a:r>
+            <a:r>
+              <a:rPr lang="en-US" altLang="zh-CN" dirty="0"/>
+              <a:t>() </a:t>
+            </a:r>
+            <a:r>
+              <a:rPr lang="en-US" altLang="zh-CN" dirty="0" smtClean="0"/>
+              <a:t> in </a:t>
+            </a:r>
+            <a:r>
+              <a:rPr lang="en-US" altLang="zh-CN" dirty="0"/>
+              <a:t>__</a:t>
+            </a:r>
+            <a:r>
+              <a:rPr lang="en-US" altLang="zh-CN" dirty="0" err="1" smtClean="0"/>
+              <a:t>use_set</a:t>
+            </a:r>
+            <a:endParaRPr lang="en-US" altLang="zh-CN" dirty="0" smtClean="0"/>
+          </a:p>
+          <a:p>
+            <a:r>
+              <a:rPr lang="en-US" altLang="zh-CN" dirty="0" err="1" smtClean="0"/>
+              <a:t>isValid_all</a:t>
+            </a:r>
+            <a:r>
+              <a:rPr lang="en-US" altLang="zh-CN" dirty="0" smtClean="0"/>
+              <a:t>()</a:t>
+            </a:r>
+            <a:r>
+              <a:rPr lang="zh-CN" altLang="en-US" dirty="0" smtClean="0"/>
+              <a:t>递归调用每个子配置的</a:t>
+            </a:r>
+            <a:r>
+              <a:rPr lang="en-US" altLang="zh-CN" dirty="0" err="1" smtClean="0"/>
+              <a:t>isValid</a:t>
+            </a:r>
+            <a:r>
+              <a:rPr lang="en-US" altLang="zh-CN" dirty="0" smtClean="0"/>
+              <a:t>()</a:t>
+            </a:r>
+            <a:r>
+              <a:rPr lang="zh-CN" altLang="en-US" dirty="0" smtClean="0"/>
+              <a:t>，当所有的配置都正确时，</a:t>
+            </a:r>
+            <a:r>
+              <a:rPr lang="zh-CN" altLang="en-US" dirty="0"/>
+              <a:t>返回</a:t>
+            </a:r>
+            <a:r>
+              <a:rPr lang="en-US" altLang="zh-CN" dirty="0" smtClean="0"/>
+              <a:t>True</a:t>
+            </a:r>
+          </a:p>
+        </p:txBody>
+      </p:sp>
+    </p:spTree>
+    <p:extLst>
+      <p:ext uri="{BB962C8B-B14F-4D97-AF65-F5344CB8AC3E}">
+        <p14:creationId xmlns:p14="http://schemas.microsoft.com/office/powerpoint/2010/main" val="1313868199"/>
+      </p:ext>
+    </p:extLst>
+  </p:cSld>
+  <p:clrMapOvr>
+    <a:masterClrMapping/>
+  </p:clrMapOvr>
+  <p:transition spd="slow">
+    <p:push dir="u"/>
+  </p:transition>
+  <p:timing>
+    <p:tnLst>
+      <p:par>
+        <p:cTn id="1" dur="indefinite" restart="never" nodeType="tmRoot">
+          <p:childTnLst>
+            <p:seq concurrent="1" nextAc="seek">
+              <p:cTn id="2" dur="indefinite" nodeType="mainSeq">
+                <p:childTnLst>
+                  <p:par>
+                    <p:cTn id="3" fill="hold">
+                      <p:stCondLst>
+                        <p:cond delay="indefinite"/>
+                      </p:stCondLst>
+                      <p:childTnLst>
+                        <p:par>
+                          <p:cTn id="4" fill="hold">
+                            <p:stCondLst>
+                              <p:cond delay="0"/>
+                            </p:stCondLst>
+                            <p:childTnLst>
+                              <p:par>
+                                <p:cTn id="5" presetID="10" presetClass="entr" presetSubtype="0" fill="hold" grpId="0" nodeType="clickEffect">
+                                  <p:stCondLst>
+                                    <p:cond delay="0"/>
+                                  </p:stCondLst>
+                                  <p:childTnLst>
+                                    <p:set>
+                                      <p:cBhvr>
+                                        <p:cTn id="6" dur="1" fill="hold">
+                                          <p:stCondLst>
+                                            <p:cond delay="0"/>
+                                          </p:stCondLst>
+                                        </p:cTn>
+                                        <p:tgtEl>
+                                          <p:spTgt spid="3">
+                                            <p:txEl>
+                                              <p:pRg st="0" end="0"/>
+                                            </p:txEl>
+                                          </p:spTgt>
+                                        </p:tgtEl>
+                                        <p:attrNameLst>
+                                          <p:attrName>style.visibility</p:attrName>
+                                        </p:attrNameLst>
+                                      </p:cBhvr>
+                                      <p:to>
+                                        <p:strVal val="visible"/>
+                                      </p:to>
+                                    </p:set>
+                                    <p:animEffect transition="in" filter="fade">
+                                      <p:cBhvr>
+                                        <p:cTn id="7" dur="500"/>
+                                        <p:tgtEl>
+                                          <p:spTgt spid="3">
+                                            <p:txEl>
+                                              <p:pRg st="0" end="0"/>
+                                            </p:txEl>
+                                          </p:spTgt>
+                                        </p:tgtEl>
+                                      </p:cBhvr>
+                                    </p:animEffect>
+                                  </p:childTnLst>
+                                </p:cTn>
+                              </p:par>
+                            </p:childTnLst>
+                          </p:cTn>
+                        </p:par>
+                      </p:childTnLst>
+                    </p:cTn>
+                  </p:par>
+                  <p:par>
+                    <p:cTn id="8" fill="hold">
+                      <p:stCondLst>
+                        <p:cond delay="indefinite"/>
+                      </p:stCondLst>
+                      <p:childTnLst>
+                        <p:par>
+                          <p:cTn id="9" fill="hold">
+                            <p:stCondLst>
+                              <p:cond delay="0"/>
+                            </p:stCondLst>
+                            <p:childTnLst>
+                              <p:par>
+                                <p:cTn id="10" presetID="10" presetClass="entr" presetSubtype="0" fill="hold" grpId="0" nodeType="clickEffect">
+                                  <p:stCondLst>
+                                    <p:cond delay="0"/>
+                                  </p:stCondLst>
+                                  <p:childTnLst>
+                                    <p:set>
+                                      <p:cBhvr>
+                                        <p:cTn id="11" dur="1" fill="hold">
+                                          <p:stCondLst>
+                                            <p:cond delay="0"/>
+                                          </p:stCondLst>
+                                        </p:cTn>
+                                        <p:tgtEl>
+                                          <p:spTgt spid="3">
+                                            <p:txEl>
+                                              <p:pRg st="1" end="1"/>
+                                            </p:txEl>
+                                          </p:spTgt>
+                                        </p:tgtEl>
+                                        <p:attrNameLst>
+                                          <p:attrName>style.visibility</p:attrName>
+                                        </p:attrNameLst>
+                                      </p:cBhvr>
+                                      <p:to>
+                                        <p:strVal val="visible"/>
+                                      </p:to>
+                                    </p:set>
+                                    <p:animEffect transition="in" filter="fade">
+                                      <p:cBhvr>
+                                        <p:cTn id="12" dur="500"/>
+                                        <p:tgtEl>
+                                          <p:spTgt spid="3">
+                                            <p:txEl>
+                                              <p:pRg st="1" end="1"/>
+                                            </p:txEl>
+                                          </p:spTgt>
+                                        </p:tgtEl>
+                                      </p:cBhvr>
+                                    </p:animEffect>
+                                  </p:childTnLst>
+                                </p:cTn>
+                              </p:par>
+                            </p:childTnLst>
+                          </p:cTn>
+                        </p:par>
+                      </p:childTnLst>
+                    </p:cTn>
+                  </p:par>
+                  <p:par>
+                    <p:cTn id="13" fill="hold">
+                      <p:stCondLst>
+                        <p:cond delay="indefinite"/>
+                      </p:stCondLst>
+                      <p:childTnLst>
+                        <p:par>
+                          <p:cTn id="14" fill="hold">
+                            <p:stCondLst>
+                              <p:cond delay="0"/>
+                            </p:stCondLst>
+                            <p:childTnLst>
+                              <p:par>
+                                <p:cTn id="15" presetID="10" presetClass="entr" presetSubtype="0" fill="hold" grpId="0" nodeType="clickEffect">
+                                  <p:stCondLst>
+                                    <p:cond delay="0"/>
+                                  </p:stCondLst>
+                                  <p:childTnLst>
+                                    <p:set>
+                                      <p:cBhvr>
+                                        <p:cTn id="16" dur="1" fill="hold">
+                                          <p:stCondLst>
+                                            <p:cond delay="0"/>
+                                          </p:stCondLst>
+                                        </p:cTn>
+                                        <p:tgtEl>
+                                          <p:spTgt spid="3">
+                                            <p:txEl>
+                                              <p:pRg st="2" end="2"/>
+                                            </p:txEl>
+                                          </p:spTgt>
+                                        </p:tgtEl>
+                                        <p:attrNameLst>
+                                          <p:attrName>style.visibility</p:attrName>
+                                        </p:attrNameLst>
+                                      </p:cBhvr>
+                                      <p:to>
+                                        <p:strVal val="visible"/>
+                                      </p:to>
+                                    </p:set>
+                                    <p:animEffect transition="in" filter="fade">
+                                      <p:cBhvr>
+                                        <p:cTn id="17" dur="500"/>
+                                        <p:tgtEl>
+                                          <p:spTgt spid="3">
+                                            <p:txEl>
+                                              <p:pRg st="2" end="2"/>
+                                            </p:txEl>
+                                          </p:spTgt>
+                                        </p:tgtEl>
+                                      </p:cBhvr>
+                                    </p:animEffect>
+                                  </p:childTnLst>
+                                </p:cTn>
+                              </p:par>
+                            </p:childTnLst>
+                          </p:cTn>
+                        </p:par>
+                      </p:childTnLst>
+                    </p:cTn>
+                  </p:par>
+                  <p:par>
+                    <p:cTn id="18" fill="hold">
+                      <p:stCondLst>
+                        <p:cond delay="indefinite"/>
+                      </p:stCondLst>
+                      <p:childTnLst>
+                        <p:par>
+                          <p:cTn id="19" fill="hold">
+                            <p:stCondLst>
+                              <p:cond delay="0"/>
+                            </p:stCondLst>
+                            <p:childTnLst>
+                              <p:par>
+                                <p:cTn id="20" presetID="10" presetClass="entr" presetSubtype="0" fill="hold" grpId="0" nodeType="clickEffect">
+                                  <p:stCondLst>
+                                    <p:cond delay="0"/>
+                                  </p:stCondLst>
+                                  <p:childTnLst>
+                                    <p:set>
+                                      <p:cBhvr>
+                                        <p:cTn id="21" dur="1" fill="hold">
+                                          <p:stCondLst>
+                                            <p:cond delay="0"/>
+                                          </p:stCondLst>
+                                        </p:cTn>
+                                        <p:tgtEl>
+                                          <p:spTgt spid="3">
+                                            <p:txEl>
+                                              <p:pRg st="3" end="3"/>
+                                            </p:txEl>
+                                          </p:spTgt>
+                                        </p:tgtEl>
+                                        <p:attrNameLst>
+                                          <p:attrName>style.visibility</p:attrName>
+                                        </p:attrNameLst>
+                                      </p:cBhvr>
+                                      <p:to>
+                                        <p:strVal val="visible"/>
+                                      </p:to>
+                                    </p:set>
+                                    <p:animEffect transition="in" filter="fade">
+                                      <p:cBhvr>
+                                        <p:cTn id="22" dur="500"/>
+                                        <p:tgtEl>
+                                          <p:spTgt spid="3">
+                                            <p:txEl>
+                                              <p:pRg st="3" end="3"/>
+                                            </p:txEl>
+                                          </p:spTgt>
+                                        </p:tgtEl>
+                                      </p:cBhvr>
+                                    </p:animEffect>
+                                  </p:childTnLst>
+                                </p:cTn>
+                              </p:par>
+                            </p:childTnLst>
+                          </p:cTn>
+                        </p:par>
+                      </p:childTnLst>
+                    </p:cTn>
+                  </p:par>
+                  <p:par>
+                    <p:cTn id="23" fill="hold">
+                      <p:stCondLst>
+                        <p:cond delay="indefinite"/>
+                      </p:stCondLst>
+                      <p:childTnLst>
+                        <p:par>
+                          <p:cTn id="24" fill="hold">
+                            <p:stCondLst>
+                              <p:cond delay="0"/>
+                            </p:stCondLst>
+                            <p:childTnLst>
+                              <p:par>
+                                <p:cTn id="25" presetID="10" presetClass="entr" presetSubtype="0" fill="hold" grpId="0" nodeType="clickEffect">
+                                  <p:stCondLst>
+                                    <p:cond delay="0"/>
+                                  </p:stCondLst>
+                                  <p:childTnLst>
+                                    <p:set>
+                                      <p:cBhvr>
+                                        <p:cTn id="26" dur="1" fill="hold">
+                                          <p:stCondLst>
+                                            <p:cond delay="0"/>
+                                          </p:stCondLst>
+                                        </p:cTn>
+                                        <p:tgtEl>
+                                          <p:spTgt spid="3">
+                                            <p:txEl>
+                                              <p:pRg st="4" end="4"/>
+                                            </p:txEl>
+                                          </p:spTgt>
+                                        </p:tgtEl>
+                                        <p:attrNameLst>
+                                          <p:attrName>style.visibility</p:attrName>
+                                        </p:attrNameLst>
+                                      </p:cBhvr>
+                                      <p:to>
+                                        <p:strVal val="visible"/>
+                                      </p:to>
+                                    </p:set>
+                                    <p:animEffect transition="in" filter="fade">
+                                      <p:cBhvr>
+                                        <p:cTn id="27" dur="500"/>
+                                        <p:tgtEl>
+                                          <p:spTgt spid="3">
+                                            <p:txEl>
+                                              <p:pRg st="4" end="4"/>
+                                            </p:txEl>
+                                          </p:spTgt>
+                                        </p:tgtEl>
+                                      </p:cBhvr>
+                                    </p:animEffect>
+                                  </p:childTnLst>
+                                </p:cTn>
+                              </p:par>
+                            </p:childTnLst>
+                          </p:cTn>
+                        </p:par>
+                      </p:childTnLst>
+                    </p:cTn>
+                  </p:par>
+                  <p:par>
+                    <p:cTn id="28" fill="hold">
+                      <p:stCondLst>
+                        <p:cond delay="indefinite"/>
+                      </p:stCondLst>
+                      <p:childTnLst>
+                        <p:par>
+                          <p:cTn id="29" fill="hold">
+                            <p:stCondLst>
+                              <p:cond delay="0"/>
+                            </p:stCondLst>
+                            <p:childTnLst>
+                              <p:par>
+                                <p:cTn id="30" presetID="10" presetClass="entr" presetSubtype="0" fill="hold" grpId="0" nodeType="clickEffect">
+                                  <p:stCondLst>
+                                    <p:cond delay="0"/>
+                                  </p:stCondLst>
+                                  <p:childTnLst>
+                                    <p:set>
+                                      <p:cBhvr>
+                                        <p:cTn id="31" dur="1" fill="hold">
+                                          <p:stCondLst>
+                                            <p:cond delay="0"/>
+                                          </p:stCondLst>
+                                        </p:cTn>
+                                        <p:tgtEl>
+                                          <p:spTgt spid="3">
+                                            <p:txEl>
+                                              <p:pRg st="5" end="5"/>
+                                            </p:txEl>
+                                          </p:spTgt>
+                                        </p:tgtEl>
+                                        <p:attrNameLst>
+                                          <p:attrName>style.visibility</p:attrName>
+                                        </p:attrNameLst>
+                                      </p:cBhvr>
+                                      <p:to>
+                                        <p:strVal val="visible"/>
+                                      </p:to>
+                                    </p:set>
+                                    <p:animEffect transition="in" filter="fade">
+                                      <p:cBhvr>
+                                        <p:cTn id="32" dur="500"/>
+                                        <p:tgtEl>
+                                          <p:spTgt spid="3">
+                                            <p:txEl>
+                                              <p:pRg st="5" end="5"/>
+                                            </p:txEl>
+                                          </p:spTgt>
+                                        </p:tgtEl>
+                                      </p:cBhvr>
+                                    </p:animEffect>
+                                  </p:childTnLst>
+                                </p:cTn>
+                              </p:par>
+                            </p:childTnLst>
+                          </p:cTn>
+                        </p:par>
+                      </p:childTnLst>
+                    </p:cTn>
+                  </p:par>
+                  <p:par>
+                    <p:cTn id="33" fill="hold">
+                      <p:stCondLst>
+                        <p:cond delay="indefinite"/>
+                      </p:stCondLst>
+                      <p:childTnLst>
+                        <p:par>
+                          <p:cTn id="34" fill="hold">
+                            <p:stCondLst>
+                              <p:cond delay="0"/>
+                            </p:stCondLst>
+                            <p:childTnLst>
+                              <p:par>
+                                <p:cTn id="35" presetID="10" presetClass="entr" presetSubtype="0" fill="hold" grpId="0" nodeType="clickEffect">
+                                  <p:stCondLst>
+                                    <p:cond delay="0"/>
+                                  </p:stCondLst>
+                                  <p:childTnLst>
+                                    <p:set>
+                                      <p:cBhvr>
+                                        <p:cTn id="36" dur="1" fill="hold">
+                                          <p:stCondLst>
+                                            <p:cond delay="0"/>
+                                          </p:stCondLst>
+                                        </p:cTn>
+                                        <p:tgtEl>
+                                          <p:spTgt spid="3">
+                                            <p:txEl>
+                                              <p:pRg st="6" end="6"/>
+                                            </p:txEl>
+                                          </p:spTgt>
+                                        </p:tgtEl>
+                                        <p:attrNameLst>
+                                          <p:attrName>style.visibility</p:attrName>
+                                        </p:attrNameLst>
+                                      </p:cBhvr>
+                                      <p:to>
+                                        <p:strVal val="visible"/>
+                                      </p:to>
+                                    </p:set>
+                                    <p:animEffect transition="in" filter="fade">
+                                      <p:cBhvr>
+                                        <p:cTn id="37" dur="500"/>
+                                        <p:tgtEl>
+                                          <p:spTgt spid="3">
+                                            <p:txEl>
+                                              <p:pRg st="6" end="6"/>
+                                            </p:txEl>
+                                          </p:spTgt>
+                                        </p:tgtEl>
+                                      </p:cBhvr>
+                                    </p:animEffect>
+                                  </p:childTnLst>
+                                </p:cTn>
+                              </p:par>
+                            </p:childTnLst>
+                          </p:cTn>
+                        </p:par>
+                      </p:childTnLst>
+                    </p:cTn>
+                  </p:par>
+                  <p:par>
+                    <p:cTn id="38" fill="hold">
+                      <p:stCondLst>
+                        <p:cond delay="indefinite"/>
+                      </p:stCondLst>
+                      <p:childTnLst>
+                        <p:par>
+                          <p:cTn id="39" fill="hold">
+                            <p:stCondLst>
+                              <p:cond delay="0"/>
+                            </p:stCondLst>
+                            <p:childTnLst>
+                              <p:par>
+                                <p:cTn id="40" presetID="10" presetClass="entr" presetSubtype="0" fill="hold" grpId="0" nodeType="clickEffect">
+                                  <p:stCondLst>
+                                    <p:cond delay="0"/>
+                                  </p:stCondLst>
+                                  <p:childTnLst>
+                                    <p:set>
+                                      <p:cBhvr>
+                                        <p:cTn id="41" dur="1" fill="hold">
+                                          <p:stCondLst>
+                                            <p:cond delay="0"/>
+                                          </p:stCondLst>
+                                        </p:cTn>
+                                        <p:tgtEl>
+                                          <p:spTgt spid="3">
+                                            <p:txEl>
+                                              <p:pRg st="7" end="7"/>
+                                            </p:txEl>
+                                          </p:spTgt>
+                                        </p:tgtEl>
+                                        <p:attrNameLst>
+                                          <p:attrName>style.visibility</p:attrName>
+                                        </p:attrNameLst>
+                                      </p:cBhvr>
+                                      <p:to>
+                                        <p:strVal val="visible"/>
+                                      </p:to>
+                                    </p:set>
+                                    <p:animEffect transition="in" filter="fade">
+                                      <p:cBhvr>
+                                        <p:cTn id="42" dur="500"/>
+                                        <p:tgtEl>
+                                          <p:spTgt spid="3">
+                                            <p:txEl>
+                                              <p:pRg st="7" end="7"/>
+                                            </p:txEl>
+                                          </p:spTgt>
+                                        </p:tgtEl>
+                                      </p:cBhvr>
+                                    </p:animEffect>
+                                  </p:childTnLst>
+                                </p:cTn>
+                              </p:par>
+                            </p:childTnLst>
+                          </p:cTn>
+                        </p:par>
+                      </p:childTnLst>
+                    </p:cTn>
+                  </p:par>
+                  <p:par>
+                    <p:cTn id="43" fill="hold">
+                      <p:stCondLst>
+                        <p:cond delay="indefinite"/>
+                      </p:stCondLst>
+                      <p:childTnLst>
+                        <p:par>
+                          <p:cTn id="44" fill="hold">
+                            <p:stCondLst>
+                              <p:cond delay="0"/>
+                            </p:stCondLst>
+                            <p:childTnLst>
+                              <p:par>
+                                <p:cTn id="45" presetID="10" presetClass="entr" presetSubtype="0" fill="hold" grpId="0" nodeType="clickEffect">
+                                  <p:stCondLst>
+                                    <p:cond delay="0"/>
+                                  </p:stCondLst>
+                                  <p:childTnLst>
+                                    <p:set>
+                                      <p:cBhvr>
+                                        <p:cTn id="46" dur="1" fill="hold">
+                                          <p:stCondLst>
+                                            <p:cond delay="0"/>
+                                          </p:stCondLst>
+                                        </p:cTn>
+                                        <p:tgtEl>
+                                          <p:spTgt spid="3">
+                                            <p:txEl>
+                                              <p:pRg st="8" end="8"/>
+                                            </p:txEl>
+                                          </p:spTgt>
+                                        </p:tgtEl>
+                                        <p:attrNameLst>
+                                          <p:attrName>style.visibility</p:attrName>
+                                        </p:attrNameLst>
+                                      </p:cBhvr>
+                                      <p:to>
+                                        <p:strVal val="visible"/>
+                                      </p:to>
+                                    </p:set>
+                                    <p:animEffect transition="in" filter="fade">
+                                      <p:cBhvr>
+                                        <p:cTn id="47" dur="500"/>
+                                        <p:tgtEl>
+                                          <p:spTgt spid="3">
+                                            <p:txEl>
+                                              <p:pRg st="8" end="8"/>
+                                            </p:txEl>
+                                          </p:spTgt>
+                                        </p:tgtEl>
+                                      </p:cBhvr>
+                                    </p:animEffect>
+                                  </p:childTnLst>
+                                </p:cTn>
+                              </p:par>
+                            </p:childTnLst>
+                          </p:cTn>
+                        </p:par>
+                      </p:childTnLst>
+                    </p:cTn>
+                  </p:par>
+                  <p:par>
+                    <p:cTn id="48" fill="hold">
+                      <p:stCondLst>
+                        <p:cond delay="indefinite"/>
+                      </p:stCondLst>
+                      <p:childTnLst>
+                        <p:par>
+                          <p:cTn id="49" fill="hold">
+                            <p:stCondLst>
+                              <p:cond delay="0"/>
+                            </p:stCondLst>
+                            <p:childTnLst>
+                              <p:par>
+                                <p:cTn id="50" presetID="10" presetClass="entr" presetSubtype="0" fill="hold" grpId="0" nodeType="clickEffect">
+                                  <p:stCondLst>
+                                    <p:cond delay="0"/>
+                                  </p:stCondLst>
+                                  <p:childTnLst>
+                                    <p:set>
+                                      <p:cBhvr>
+                                        <p:cTn id="51" dur="1" fill="hold">
+                                          <p:stCondLst>
+                                            <p:cond delay="0"/>
+                                          </p:stCondLst>
+                                        </p:cTn>
+                                        <p:tgtEl>
+                                          <p:spTgt spid="3">
+                                            <p:txEl>
+                                              <p:pRg st="9" end="9"/>
+                                            </p:txEl>
+                                          </p:spTgt>
+                                        </p:tgtEl>
+                                        <p:attrNameLst>
+                                          <p:attrName>style.visibility</p:attrName>
+                                        </p:attrNameLst>
+                                      </p:cBhvr>
+                                      <p:to>
+                                        <p:strVal val="visible"/>
+                                      </p:to>
+                                    </p:set>
+                                    <p:animEffect transition="in" filter="fade">
+                                      <p:cBhvr>
+                                        <p:cTn id="52" dur="500"/>
+                                        <p:tgtEl>
+                                          <p:spTgt spid="3">
+                                            <p:txEl>
+                                              <p:pRg st="9" end="9"/>
+                                            </p:txEl>
+                                          </p:spTgt>
+                                        </p:tgtEl>
+                                      </p:cBhvr>
+                                    </p:animEffect>
+                                  </p:childTnLst>
+                                </p:cTn>
+                              </p:par>
+                            </p:childTnLst>
+                          </p:cTn>
+                        </p:par>
+                      </p:childTnLst>
+                    </p:cTn>
+                  </p:par>
+                </p:childTnLst>
+              </p:cTn>
+              <p:prevCondLst>
+                <p:cond evt="onPrev" delay="0">
+                  <p:tgtEl>
+                    <p:sldTgt/>
+                  </p:tgtEl>
+                </p:cond>
+              </p:prevCondLst>
+              <p:nextCondLst>
+                <p:cond evt="onNext" delay="0">
+                  <p:tgtEl>
+                    <p:sldTgt/>
+                  </p:tgtEl>
+                </p:cond>
+              </p:nextCondLst>
+            </p:seq>
+          </p:childTnLst>
+        </p:cTn>
+      </p:par>
+    </p:tnLst>
+    <p:bldLst>
+      <p:bldP spid="3" grpId="0" uiExpand="1" build="p"/>
+    </p:bldLst>
+  </p:timing>
+</p:sld>
+</file>
+
+<file path=ppt/slides/slide8.xml><?xml version="1.0" encoding="utf-8"?>
+<p:sld xmlns:a="http://schemas.openxmlformats.org/drawingml/2006/main" xmlns:r="http://schemas.openxmlformats.org/officeDocument/2006/relationships" xmlns:p="http://schemas.openxmlformats.org/presentationml/2006/main">
+  <p:cSld>
+    <p:spTree>
+      <p:nvGrpSpPr>
+        <p:cNvPr id="1" name=""/>
+        <p:cNvGrpSpPr/>
+        <p:nvPr/>
+      </p:nvGrpSpPr>
+      <p:grpSpPr>
+        <a:xfrm>
+          <a:off x="0" y="0"/>
+          <a:ext cx="0" cy="0"/>
+          <a:chOff x="0" y="0"/>
+          <a:chExt cx="0" cy="0"/>
+        </a:xfrm>
+      </p:grpSpPr>
+      <p:sp>
+        <p:nvSpPr>
+          <p:cNvPr id="2" name="标题 1"/>
+          <p:cNvSpPr>
+            <a:spLocks noGrp="1"/>
+          </p:cNvSpPr>
+          <p:nvPr>
+            <p:ph type="title"/>
+          </p:nvPr>
+        </p:nvSpPr>
+        <p:spPr/>
+        <p:txBody>
+          <a:bodyPr/>
+          <a:lstStyle/>
+          <a:p>
+            <a:r>
+              <a:rPr lang="zh-CN" altLang="en-US" dirty="0" smtClean="0"/>
+              <a:t>文件</a:t>
+            </a:r>
+            <a:r>
+              <a:rPr lang="en-US" altLang="zh-CN" dirty="0" smtClean="0"/>
+              <a:t>IO</a:t>
+            </a:r>
+            <a:endParaRPr lang="zh-CN" altLang="en-US" dirty="0"/>
+          </a:p>
+        </p:txBody>
+      </p:sp>
+      <p:sp>
+        <p:nvSpPr>
+          <p:cNvPr id="3" name="内容占位符 2"/>
+          <p:cNvSpPr>
+            <a:spLocks noGrp="1"/>
+          </p:cNvSpPr>
+          <p:nvPr>
+            <p:ph idx="1"/>
+          </p:nvPr>
+        </p:nvSpPr>
+        <p:spPr/>
+        <p:txBody>
+          <a:bodyPr/>
+          <a:lstStyle/>
+          <a:p>
+            <a:r>
+              <a:rPr lang="en-US" altLang="zh-CN" dirty="0" err="1" smtClean="0"/>
+              <a:t>conf.writeToFile</a:t>
+            </a:r>
+            <a:r>
+              <a:rPr lang="en-US" altLang="zh-CN" dirty="0" smtClean="0"/>
+              <a:t>()</a:t>
+            </a:r>
+          </a:p>
+          <a:p>
+            <a:pPr lvl="1"/>
+            <a:r>
+              <a:rPr lang="zh-CN" altLang="en-US" dirty="0" smtClean="0"/>
+              <a:t>写回配置到文件中</a:t>
+            </a:r>
+            <a:endParaRPr lang="en-US" altLang="zh-CN" dirty="0" smtClean="0"/>
+          </a:p>
+          <a:p>
+            <a:r>
+              <a:rPr lang="en-US" altLang="zh-CN" dirty="0" err="1"/>
+              <a:t>c</a:t>
+            </a:r>
+            <a:r>
+              <a:rPr lang="en-US" altLang="zh-CN" dirty="0" err="1" smtClean="0"/>
+              <a:t>onf.setUpFromFile</a:t>
+            </a:r>
+            <a:r>
+              <a:rPr lang="en-US" altLang="zh-CN" dirty="0" smtClean="0"/>
+              <a:t>()</a:t>
+            </a:r>
+          </a:p>
+          <a:p>
+            <a:pPr lvl="1"/>
+            <a:r>
+              <a:rPr lang="zh-CN" altLang="en-US" dirty="0" smtClean="0"/>
+              <a:t>从文件中恢复配置</a:t>
+            </a:r>
+            <a:endParaRPr lang="zh-CN" altLang="en-US" dirty="0"/>
+          </a:p>
+        </p:txBody>
+      </p:sp>
+    </p:spTree>
+    <p:extLst>
+      <p:ext uri="{BB962C8B-B14F-4D97-AF65-F5344CB8AC3E}">
+        <p14:creationId xmlns:p14="http://schemas.microsoft.com/office/powerpoint/2010/main" val="1007216362"/>
+      </p:ext>
+    </p:extLst>
+  </p:cSld>
+  <p:clrMapOvr>
+    <a:masterClrMapping/>
+  </p:clrMapOvr>
+  <p:transition spd="slow">
+    <p:push dir="u"/>
+  </p:transition>
+  <p:timing>
+    <p:tnLst>
+      <p:par>
+        <p:cTn id="1" dur="indefinite" restart="never" nodeType="tmRoot">
+          <p:childTnLst>
+            <p:seq concurrent="1" nextAc="seek">
+              <p:cTn id="2" dur="indefinite" nodeType="mainSeq">
+                <p:childTnLst>
+                  <p:par>
+                    <p:cTn id="3" fill="hold">
+                      <p:stCondLst>
+                        <p:cond delay="indefinite"/>
+                      </p:stCondLst>
+                      <p:childTnLst>
+                        <p:par>
+                          <p:cTn id="4" fill="hold">
+                            <p:stCondLst>
+                              <p:cond delay="0"/>
+                            </p:stCondLst>
+                            <p:childTnLst>
+                              <p:par>
+                                <p:cTn id="5" presetID="10" presetClass="entr" presetSubtype="0" fill="hold" grpId="0" nodeType="clickEffect">
+                                  <p:stCondLst>
+                                    <p:cond delay="0"/>
+                                  </p:stCondLst>
+                                  <p:childTnLst>
+                                    <p:set>
+                                      <p:cBhvr>
+                                        <p:cTn id="6" dur="1" fill="hold">
+                                          <p:stCondLst>
+                                            <p:cond delay="0"/>
+                                          </p:stCondLst>
+                                        </p:cTn>
+                                        <p:tgtEl>
+                                          <p:spTgt spid="3">
+                                            <p:txEl>
+                                              <p:pRg st="0" end="0"/>
+                                            </p:txEl>
+                                          </p:spTgt>
+                                        </p:tgtEl>
+                                        <p:attrNameLst>
+                                          <p:attrName>style.visibility</p:attrName>
+                                        </p:attrNameLst>
+                                      </p:cBhvr>
+                                      <p:to>
+                                        <p:strVal val="visible"/>
+                                      </p:to>
+                                    </p:set>
+                                    <p:animEffect transition="in" filter="fade">
+                                      <p:cBhvr>
+                                        <p:cTn id="7" dur="500"/>
+                                        <p:tgtEl>
+                                          <p:spTgt spid="3">
+                                            <p:txEl>
+                                              <p:pRg st="0" end="0"/>
+                                            </p:txEl>
+                                          </p:spTgt>
+                                        </p:tgtEl>
+                                      </p:cBhvr>
+                                    </p:animEffect>
+                                  </p:childTnLst>
+                                </p:cTn>
+                              </p:par>
+                            </p:childTnLst>
+                          </p:cTn>
+                        </p:par>
+                      </p:childTnLst>
+                    </p:cTn>
+                  </p:par>
+                  <p:par>
+                    <p:cTn id="8" fill="hold">
+                      <p:stCondLst>
+                        <p:cond delay="indefinite"/>
+                      </p:stCondLst>
+                      <p:childTnLst>
+                        <p:par>
+                          <p:cTn id="9" fill="hold">
+                            <p:stCondLst>
+                              <p:cond delay="0"/>
+                            </p:stCondLst>
+                            <p:childTnLst>
+                              <p:par>
+                                <p:cTn id="10" presetID="10" presetClass="entr" presetSubtype="0" fill="hold" grpId="0" nodeType="clickEffect">
+                                  <p:stCondLst>
+                                    <p:cond delay="0"/>
+                                  </p:stCondLst>
+                                  <p:childTnLst>
+                                    <p:set>
+                                      <p:cBhvr>
+                                        <p:cTn id="11" dur="1" fill="hold">
+                                          <p:stCondLst>
+                                            <p:cond delay="0"/>
+                                          </p:stCondLst>
+                                        </p:cTn>
+                                        <p:tgtEl>
+                                          <p:spTgt spid="3">
+                                            <p:txEl>
+                                              <p:pRg st="1" end="1"/>
+                                            </p:txEl>
+                                          </p:spTgt>
+                                        </p:tgtEl>
+                                        <p:attrNameLst>
+                                          <p:attrName>style.visibility</p:attrName>
+                                        </p:attrNameLst>
+                                      </p:cBhvr>
+                                      <p:to>
+                                        <p:strVal val="visible"/>
+                                      </p:to>
+                                    </p:set>
+                                    <p:animEffect transition="in" filter="fade">
+                                      <p:cBhvr>
+                                        <p:cTn id="12" dur="500"/>
+                                        <p:tgtEl>
+                                          <p:spTgt spid="3">
+                                            <p:txEl>
+                                              <p:pRg st="1" end="1"/>
+                                            </p:txEl>
+                                          </p:spTgt>
+                                        </p:tgtEl>
+                                      </p:cBhvr>
+                                    </p:animEffect>
+                                  </p:childTnLst>
+                                </p:cTn>
+                              </p:par>
+                            </p:childTnLst>
+                          </p:cTn>
+                        </p:par>
+                      </p:childTnLst>
+                    </p:cTn>
+                  </p:par>
+                  <p:par>
+                    <p:cTn id="13" fill="hold">
+                      <p:stCondLst>
+                        <p:cond delay="indefinite"/>
+                      </p:stCondLst>
+                      <p:childTnLst>
+                        <p:par>
+                          <p:cTn id="14" fill="hold">
+                            <p:stCondLst>
+                              <p:cond delay="0"/>
+                            </p:stCondLst>
+                            <p:childTnLst>
+                              <p:par>
+                                <p:cTn id="15" presetID="10" presetClass="entr" presetSubtype="0" fill="hold" grpId="0" nodeType="clickEffect">
+                                  <p:stCondLst>
+                                    <p:cond delay="0"/>
+                                  </p:stCondLst>
+                                  <p:childTnLst>
+                                    <p:set>
+                                      <p:cBhvr>
+                                        <p:cTn id="16" dur="1" fill="hold">
+                                          <p:stCondLst>
+                                            <p:cond delay="0"/>
+                                          </p:stCondLst>
+                                        </p:cTn>
+                                        <p:tgtEl>
+                                          <p:spTgt spid="3">
+                                            <p:txEl>
+                                              <p:pRg st="2" end="2"/>
+                                            </p:txEl>
+                                          </p:spTgt>
+                                        </p:tgtEl>
+                                        <p:attrNameLst>
+                                          <p:attrName>style.visibility</p:attrName>
+                                        </p:attrNameLst>
+                                      </p:cBhvr>
+                                      <p:to>
+                                        <p:strVal val="visible"/>
+                                      </p:to>
+                                    </p:set>
+                                    <p:animEffect transition="in" filter="fade">
+                                      <p:cBhvr>
+                                        <p:cTn id="17" dur="500"/>
+                                        <p:tgtEl>
+                                          <p:spTgt spid="3">
+                                            <p:txEl>
+                                              <p:pRg st="2" end="2"/>
+                                            </p:txEl>
+                                          </p:spTgt>
+                                        </p:tgtEl>
+                                      </p:cBhvr>
+                                    </p:animEffect>
+                                  </p:childTnLst>
+                                </p:cTn>
+                              </p:par>
+                              <p:par>
+                                <p:cTn id="18" presetID="10" presetClass="entr" presetSubtype="0" fill="hold" grpId="0" nodeType="withEffect">
+                                  <p:stCondLst>
+                                    <p:cond delay="0"/>
+                                  </p:stCondLst>
+                                  <p:childTnLst>
+                                    <p:set>
+                                      <p:cBhvr>
+                                        <p:cTn id="19" dur="1" fill="hold">
+                                          <p:stCondLst>
+                                            <p:cond delay="0"/>
+                                          </p:stCondLst>
+                                        </p:cTn>
+                                        <p:tgtEl>
+                                          <p:spTgt spid="3">
+                                            <p:txEl>
+                                              <p:pRg st="3" end="3"/>
+                                            </p:txEl>
+                                          </p:spTgt>
+                                        </p:tgtEl>
+                                        <p:attrNameLst>
+                                          <p:attrName>style.visibility</p:attrName>
+                                        </p:attrNameLst>
+                                      </p:cBhvr>
+                                      <p:to>
+                                        <p:strVal val="visible"/>
+                                      </p:to>
+                                    </p:set>
+                                    <p:animEffect transition="in" filter="fade">
+                                      <p:cBhvr>
+                                        <p:cTn id="20" dur="500"/>
+                                        <p:tgtEl>
+                                          <p:spTgt spid="3">
+                                            <p:txEl>
+                                              <p:pRg st="3" end="3"/>
+                                            </p:txEl>
+                                          </p:spTgt>
+                                        </p:tgtEl>
+                                      </p:cBhvr>
+                                    </p:animEffect>
+                                  </p:childTnLst>
+                                </p:cTn>
+                              </p:par>
+                            </p:childTnLst>
+                          </p:cTn>
+                        </p:par>
+                      </p:childTnLst>
+                    </p:cTn>
+                  </p:par>
+                </p:childTnLst>
+              </p:cTn>
+              <p:prevCondLst>
+                <p:cond evt="onPrev" delay="0">
+                  <p:tgtEl>
+                    <p:sldTgt/>
+                  </p:tgtEl>
+                </p:cond>
+              </p:prevCondLst>
+              <p:nextCondLst>
+                <p:cond evt="onNext" delay="0">
+                  <p:tgtEl>
+                    <p:sldTgt/>
+                  </p:tgtEl>
+                </p:cond>
+              </p:nextCondLst>
+            </p:seq>
+          </p:childTnLst>
+        </p:cTn>
+      </p:par>
+    </p:tnLst>
+    <p:bldLst>
+      <p:bldP spid="3" grpId="0" uiExpand="1" build="p"/>
+    </p:bldLst>
+  </p:timing>
+</p:sld>
+</file>
+
+<file path=ppt/slides/slide9.xml><?xml version="1.0" encoding="utf-8"?>
+<p:sld xmlns:a="http://schemas.openxmlformats.org/drawingml/2006/main" xmlns:r="http://schemas.openxmlformats.org/officeDocument/2006/relationships" xmlns:p="http://schemas.openxmlformats.org/presentationml/2006/main">
+  <p:cSld>
+    <p:spTree>
+      <p:nvGrpSpPr>
+        <p:cNvPr id="1" name=""/>
+        <p:cNvGrpSpPr/>
+        <p:nvPr/>
+      </p:nvGrpSpPr>
+      <p:grpSpPr>
+        <a:xfrm>
+          <a:off x="0" y="0"/>
+          <a:ext cx="0" cy="0"/>
+          <a:chOff x="0" y="0"/>
+          <a:chExt cx="0" cy="0"/>
+        </a:xfrm>
+      </p:grpSpPr>
+      <p:sp>
+        <p:nvSpPr>
+          <p:cNvPr id="2" name="标题 1"/>
+          <p:cNvSpPr>
+            <a:spLocks noGrp="1"/>
+          </p:cNvSpPr>
+          <p:nvPr>
+            <p:ph type="title"/>
+          </p:nvPr>
+        </p:nvSpPr>
+        <p:spPr/>
+        <p:txBody>
+          <a:bodyPr/>
+          <a:lstStyle/>
+          <a:p>
+            <a:r>
               <a:rPr lang="en-US" altLang="zh-CN" dirty="0" smtClean="0"/>
               <a:t>To Do</a:t>
             </a:r>
@@ -4757,6 +5934,286 @@
   <p:clrMapOvr>
     <a:masterClrMapping/>
   </p:clrMapOvr>
+  <p:transition spd="slow">
+    <p:push dir="u"/>
+  </p:transition>
+  <p:timing>
+    <p:tnLst>
+      <p:par>
+        <p:cTn id="1" dur="indefinite" restart="never" nodeType="tmRoot">
+          <p:childTnLst>
+            <p:seq concurrent="1" nextAc="seek">
+              <p:cTn id="2" dur="indefinite" nodeType="mainSeq">
+                <p:childTnLst>
+                  <p:par>
+                    <p:cTn id="3" fill="hold">
+                      <p:stCondLst>
+                        <p:cond delay="indefinite"/>
+                      </p:stCondLst>
+                      <p:childTnLst>
+                        <p:par>
+                          <p:cTn id="4" fill="hold">
+                            <p:stCondLst>
+                              <p:cond delay="0"/>
+                            </p:stCondLst>
+                            <p:childTnLst>
+                              <p:par>
+                                <p:cTn id="5" presetID="10" presetClass="entr" presetSubtype="0" fill="hold" grpId="0" nodeType="clickEffect">
+                                  <p:stCondLst>
+                                    <p:cond delay="0"/>
+                                  </p:stCondLst>
+                                  <p:childTnLst>
+                                    <p:set>
+                                      <p:cBhvr>
+                                        <p:cTn id="6" dur="1" fill="hold">
+                                          <p:stCondLst>
+                                            <p:cond delay="0"/>
+                                          </p:stCondLst>
+                                        </p:cTn>
+                                        <p:tgtEl>
+                                          <p:spTgt spid="3">
+                                            <p:txEl>
+                                              <p:pRg st="0" end="0"/>
+                                            </p:txEl>
+                                          </p:spTgt>
+                                        </p:tgtEl>
+                                        <p:attrNameLst>
+                                          <p:attrName>style.visibility</p:attrName>
+                                        </p:attrNameLst>
+                                      </p:cBhvr>
+                                      <p:to>
+                                        <p:strVal val="visible"/>
+                                      </p:to>
+                                    </p:set>
+                                    <p:animEffect transition="in" filter="fade">
+                                      <p:cBhvr>
+                                        <p:cTn id="7" dur="500"/>
+                                        <p:tgtEl>
+                                          <p:spTgt spid="3">
+                                            <p:txEl>
+                                              <p:pRg st="0" end="0"/>
+                                            </p:txEl>
+                                          </p:spTgt>
+                                        </p:tgtEl>
+                                      </p:cBhvr>
+                                    </p:animEffect>
+                                  </p:childTnLst>
+                                </p:cTn>
+                              </p:par>
+                            </p:childTnLst>
+                          </p:cTn>
+                        </p:par>
+                      </p:childTnLst>
+                    </p:cTn>
+                  </p:par>
+                  <p:par>
+                    <p:cTn id="8" fill="hold">
+                      <p:stCondLst>
+                        <p:cond delay="indefinite"/>
+                      </p:stCondLst>
+                      <p:childTnLst>
+                        <p:par>
+                          <p:cTn id="9" fill="hold">
+                            <p:stCondLst>
+                              <p:cond delay="0"/>
+                            </p:stCondLst>
+                            <p:childTnLst>
+                              <p:par>
+                                <p:cTn id="10" presetID="10" presetClass="entr" presetSubtype="0" fill="hold" grpId="0" nodeType="clickEffect">
+                                  <p:stCondLst>
+                                    <p:cond delay="0"/>
+                                  </p:stCondLst>
+                                  <p:childTnLst>
+                                    <p:set>
+                                      <p:cBhvr>
+                                        <p:cTn id="11" dur="1" fill="hold">
+                                          <p:stCondLst>
+                                            <p:cond delay="0"/>
+                                          </p:stCondLst>
+                                        </p:cTn>
+                                        <p:tgtEl>
+                                          <p:spTgt spid="3">
+                                            <p:txEl>
+                                              <p:pRg st="1" end="1"/>
+                                            </p:txEl>
+                                          </p:spTgt>
+                                        </p:tgtEl>
+                                        <p:attrNameLst>
+                                          <p:attrName>style.visibility</p:attrName>
+                                        </p:attrNameLst>
+                                      </p:cBhvr>
+                                      <p:to>
+                                        <p:strVal val="visible"/>
+                                      </p:to>
+                                    </p:set>
+                                    <p:animEffect transition="in" filter="fade">
+                                      <p:cBhvr>
+                                        <p:cTn id="12" dur="500"/>
+                                        <p:tgtEl>
+                                          <p:spTgt spid="3">
+                                            <p:txEl>
+                                              <p:pRg st="1" end="1"/>
+                                            </p:txEl>
+                                          </p:spTgt>
+                                        </p:tgtEl>
+                                      </p:cBhvr>
+                                    </p:animEffect>
+                                  </p:childTnLst>
+                                </p:cTn>
+                              </p:par>
+                            </p:childTnLst>
+                          </p:cTn>
+                        </p:par>
+                      </p:childTnLst>
+                    </p:cTn>
+                  </p:par>
+                  <p:par>
+                    <p:cTn id="13" fill="hold">
+                      <p:stCondLst>
+                        <p:cond delay="indefinite"/>
+                      </p:stCondLst>
+                      <p:childTnLst>
+                        <p:par>
+                          <p:cTn id="14" fill="hold">
+                            <p:stCondLst>
+                              <p:cond delay="0"/>
+                            </p:stCondLst>
+                            <p:childTnLst>
+                              <p:par>
+                                <p:cTn id="15" presetID="10" presetClass="entr" presetSubtype="0" fill="hold" grpId="0" nodeType="clickEffect">
+                                  <p:stCondLst>
+                                    <p:cond delay="0"/>
+                                  </p:stCondLst>
+                                  <p:childTnLst>
+                                    <p:set>
+                                      <p:cBhvr>
+                                        <p:cTn id="16" dur="1" fill="hold">
+                                          <p:stCondLst>
+                                            <p:cond delay="0"/>
+                                          </p:stCondLst>
+                                        </p:cTn>
+                                        <p:tgtEl>
+                                          <p:spTgt spid="3">
+                                            <p:txEl>
+                                              <p:pRg st="2" end="2"/>
+                                            </p:txEl>
+                                          </p:spTgt>
+                                        </p:tgtEl>
+                                        <p:attrNameLst>
+                                          <p:attrName>style.visibility</p:attrName>
+                                        </p:attrNameLst>
+                                      </p:cBhvr>
+                                      <p:to>
+                                        <p:strVal val="visible"/>
+                                      </p:to>
+                                    </p:set>
+                                    <p:animEffect transition="in" filter="fade">
+                                      <p:cBhvr>
+                                        <p:cTn id="17" dur="500"/>
+                                        <p:tgtEl>
+                                          <p:spTgt spid="3">
+                                            <p:txEl>
+                                              <p:pRg st="2" end="2"/>
+                                            </p:txEl>
+                                          </p:spTgt>
+                                        </p:tgtEl>
+                                      </p:cBhvr>
+                                    </p:animEffect>
+                                  </p:childTnLst>
+                                </p:cTn>
+                              </p:par>
+                            </p:childTnLst>
+                          </p:cTn>
+                        </p:par>
+                      </p:childTnLst>
+                    </p:cTn>
+                  </p:par>
+                  <p:par>
+                    <p:cTn id="18" fill="hold">
+                      <p:stCondLst>
+                        <p:cond delay="indefinite"/>
+                      </p:stCondLst>
+                      <p:childTnLst>
+                        <p:par>
+                          <p:cTn id="19" fill="hold">
+                            <p:stCondLst>
+                              <p:cond delay="0"/>
+                            </p:stCondLst>
+                            <p:childTnLst>
+                              <p:par>
+                                <p:cTn id="20" presetID="10" presetClass="entr" presetSubtype="0" fill="hold" grpId="0" nodeType="clickEffect">
+                                  <p:stCondLst>
+                                    <p:cond delay="0"/>
+                                  </p:stCondLst>
+                                  <p:childTnLst>
+                                    <p:set>
+                                      <p:cBhvr>
+                                        <p:cTn id="21" dur="1" fill="hold">
+                                          <p:stCondLst>
+                                            <p:cond delay="0"/>
+                                          </p:stCondLst>
+                                        </p:cTn>
+                                        <p:tgtEl>
+                                          <p:spTgt spid="3">
+                                            <p:txEl>
+                                              <p:pRg st="3" end="3"/>
+                                            </p:txEl>
+                                          </p:spTgt>
+                                        </p:tgtEl>
+                                        <p:attrNameLst>
+                                          <p:attrName>style.visibility</p:attrName>
+                                        </p:attrNameLst>
+                                      </p:cBhvr>
+                                      <p:to>
+                                        <p:strVal val="visible"/>
+                                      </p:to>
+                                    </p:set>
+                                    <p:animEffect transition="in" filter="fade">
+                                      <p:cBhvr>
+                                        <p:cTn id="22" dur="500"/>
+                                        <p:tgtEl>
+                                          <p:spTgt spid="3">
+                                            <p:txEl>
+                                              <p:pRg st="3" end="3"/>
+                                            </p:txEl>
+                                          </p:spTgt>
+                                        </p:tgtEl>
+                                      </p:cBhvr>
+                                    </p:animEffect>
+                                  </p:childTnLst>
+                                </p:cTn>
+                              </p:par>
+                            </p:childTnLst>
+                          </p:cTn>
+                        </p:par>
+                      </p:childTnLst>
+                    </p:cTn>
+                  </p:par>
+                </p:childTnLst>
+              </p:cTn>
+              <p:prevCondLst>
+                <p:cond evt="onPrev" delay="0">
+                  <p:tgtEl>
+                    <p:sldTgt/>
+                  </p:tgtEl>
+                </p:cond>
+              </p:prevCondLst>
+              <p:nextCondLst>
+                <p:cond evt="onNext" delay="0">
+                  <p:tgtEl>
+                    <p:sldTgt/>
+                  </p:tgtEl>
+                </p:cond>
+              </p:nextCondLst>
+            </p:seq>
+          </p:childTnLst>
+        </p:cTn>
+      </p:par>
+    </p:tnLst>
+    <p:bldLst>
+      <p:bldP spid="3" grpId="0" uiExpand="1" build="p"/>
+    </p:bldLst>
+  </p:timing>
 </p:sld>
 </file>
 
